--- a/TestTamA.pptx
+++ b/TestTamA.pptx
@@ -3076,7 +3076,23 @@
           <a:p>
             <a:r>
               <a:rPr lang="fr-FR" dirty="0" smtClean="0"/>
-              <a:t>Voila j’ai un nouveau Fichier</a:t>
+              <a:t>Voila j’ai </a:t>
+            </a:r>
+            <a:r>
+              <a:rPr lang="fr-FR" dirty="0" smtClean="0"/>
+              <a:t>un </a:t>
+            </a:r>
+            <a:r>
+              <a:rPr lang="fr-FR" dirty="0" err="1" smtClean="0"/>
+              <a:t>deuxieme</a:t>
+            </a:r>
+            <a:r>
+              <a:rPr lang="fr-FR" dirty="0" smtClean="0"/>
+              <a:t> </a:t>
+            </a:r>
+            <a:r>
+              <a:rPr lang="fr-FR" dirty="0" smtClean="0"/>
+              <a:t>Fichier</a:t>
             </a:r>
             <a:endParaRPr lang="fr-FR" dirty="0"/>
           </a:p>
@@ -3109,6 +3125,15 @@
               <a:rPr lang="fr-FR" dirty="0" smtClean="0"/>
               <a:t> </a:t>
             </a:r>
+            <a:endParaRPr lang="fr-FR" dirty="0" smtClean="0"/>
+          </a:p>
+          <a:p>
+            <a:r>
+              <a:rPr lang="fr-FR" dirty="0" smtClean="0"/>
+              <a:t>2019</a:t>
+            </a:r>
+          </a:p>
+          <a:p>
             <a:endParaRPr lang="fr-FR" dirty="0"/>
           </a:p>
         </p:txBody>
